--- a/g3_report/two-way-anova.pptx
+++ b/g3_report/two-way-anova.pptx
@@ -8747,8 +8747,8 @@
         </p:nvSpPr>
         <p:spPr>
           <a:xfrm>
-            <a:off x="1911325" y="2411604"/>
-            <a:ext cx="4481565" cy="1323439"/>
+            <a:off x="1911325" y="1698171"/>
+            <a:ext cx="5142618" cy="2554545"/>
           </a:xfrm>
           <a:prstGeom prst="rect">
             <a:avLst/>
@@ -8763,15 +8763,36 @@
           <a:p>
             <a:pPr algn="ctr"/>
             <a:r>
-              <a:rPr lang="en-PH" sz="4000" dirty="0"/>
-              <a:t>Excel </a:t>
+              <a:rPr lang="en-PH" sz="2000" dirty="0"/>
+              <a:t>Excel – </a:t>
             </a:r>
           </a:p>
           <a:p>
             <a:pPr algn="ctr"/>
             <a:r>
-              <a:rPr lang="en-PH" sz="4000" dirty="0"/>
-              <a:t>R</a:t>
+              <a:rPr lang="en-PH" sz="2000" dirty="0"/>
+              <a:t>https://github.com/edsonfajilagot/pupmas-dp/blob/master/g3_report/two-way-anova-manual.xlsx?raw=true</a:t>
+            </a:r>
+          </a:p>
+          <a:p>
+            <a:pPr algn="ctr"/>
+            <a:r>
+              <a:rPr lang="en-PH" sz="2000" dirty="0"/>
+              <a:t> </a:t>
+            </a:r>
+          </a:p>
+          <a:p>
+            <a:pPr algn="ctr"/>
+            <a:r>
+              <a:rPr lang="en-PH" sz="2000" dirty="0"/>
+              <a:t>R –</a:t>
+            </a:r>
+          </a:p>
+          <a:p>
+            <a:pPr algn="ctr"/>
+            <a:r>
+              <a:rPr lang="en-PH" sz="2000" dirty="0"/>
+              <a:t>https://github.com/edsonfajilagot/pupmas-dp/blob/master/g3_report/two-factor-anova.R</a:t>
             </a:r>
           </a:p>
         </p:txBody>

--- a/g3_report/two-way-anova.pptx
+++ b/g3_report/two-way-anova.pptx
@@ -6,12 +6,16 @@
   </p:sldMasterIdLst>
   <p:sldIdLst>
     <p:sldId id="284" r:id="rId2"/>
-    <p:sldId id="287" r:id="rId3"/>
-    <p:sldId id="285" r:id="rId4"/>
-    <p:sldId id="288" r:id="rId5"/>
-    <p:sldId id="289" r:id="rId6"/>
-    <p:sldId id="290" r:id="rId7"/>
-    <p:sldId id="291" r:id="rId8"/>
+    <p:sldId id="293" r:id="rId3"/>
+    <p:sldId id="294" r:id="rId4"/>
+    <p:sldId id="295" r:id="rId5"/>
+    <p:sldId id="292" r:id="rId6"/>
+    <p:sldId id="287" r:id="rId7"/>
+    <p:sldId id="285" r:id="rId8"/>
+    <p:sldId id="288" r:id="rId9"/>
+    <p:sldId id="289" r:id="rId10"/>
+    <p:sldId id="290" r:id="rId11"/>
+    <p:sldId id="291" r:id="rId12"/>
   </p:sldIdLst>
   <p:sldSz cx="9144000" cy="6858000" type="screen4x3"/>
   <p:notesSz cx="6858000" cy="9144000"/>
@@ -6521,6 +6525,1244 @@
           <a:p>
             <a:r>
               <a:rPr lang="en-PH" sz="2800" dirty="0"/>
+              <a:t>Two-way ANOVA : Definition</a:t>
+            </a:r>
+          </a:p>
+        </p:txBody>
+      </p:sp>
+      <p:cxnSp>
+        <p:nvCxnSpPr>
+          <p:cNvPr id="4" name="Straight Connector 3">
+            <a:extLst>
+              <a:ext uri="{FF2B5EF4-FFF2-40B4-BE49-F238E27FC236}">
+                <a16:creationId xmlns:a16="http://schemas.microsoft.com/office/drawing/2014/main" id="{FE668F33-27F6-4FF1-BCDF-78FCD2FBC7C1}"/>
+              </a:ext>
+            </a:extLst>
+          </p:cNvPr>
+          <p:cNvCxnSpPr/>
+          <p:nvPr/>
+        </p:nvCxnSpPr>
+        <p:spPr>
+          <a:xfrm>
+            <a:off x="0" y="839595"/>
+            <a:ext cx="9144000" cy="0"/>
+          </a:xfrm>
+          <a:prstGeom prst="line">
+            <a:avLst/>
+          </a:prstGeom>
+          <a:ln/>
+        </p:spPr>
+        <p:style>
+          <a:lnRef idx="1">
+            <a:schemeClr val="dk1"/>
+          </a:lnRef>
+          <a:fillRef idx="0">
+            <a:schemeClr val="dk1"/>
+          </a:fillRef>
+          <a:effectRef idx="0">
+            <a:schemeClr val="dk1"/>
+          </a:effectRef>
+          <a:fontRef idx="minor">
+            <a:schemeClr val="tx1"/>
+          </a:fontRef>
+        </p:style>
+      </p:cxnSp>
+      <p:sp>
+        <p:nvSpPr>
+          <p:cNvPr id="6" name="TextBox 5">
+            <a:extLst>
+              <a:ext uri="{FF2B5EF4-FFF2-40B4-BE49-F238E27FC236}">
+                <a16:creationId xmlns:a16="http://schemas.microsoft.com/office/drawing/2014/main" id="{C4B423E3-ACBF-4BFB-90CD-A937E6FC0FC4}"/>
+              </a:ext>
+            </a:extLst>
+          </p:cNvPr>
+          <p:cNvSpPr txBox="1"/>
+          <p:nvPr/>
+        </p:nvSpPr>
+        <p:spPr>
+          <a:xfrm>
+            <a:off x="376942" y="1223366"/>
+            <a:ext cx="8239649" cy="2308324"/>
+          </a:xfrm>
+          <a:prstGeom prst="rect">
+            <a:avLst/>
+          </a:prstGeom>
+          <a:noFill/>
+        </p:spPr>
+        <p:txBody>
+          <a:bodyPr wrap="square" rtlCol="0">
+            <a:spAutoFit/>
+          </a:bodyPr>
+          <a:lstStyle/>
+          <a:p>
+            <a:pPr marL="285750" lvl="0" indent="-285750">
+              <a:buFont typeface="Wingdings" panose="05000000000000000000" pitchFamily="2" charset="2"/>
+              <a:buChar char="Ø"/>
+            </a:pPr>
+            <a:r>
+              <a:rPr lang="en-US" dirty="0"/>
+              <a:t>An appropriate analysis method for a study with a quantitative outcome and two (or more) categorical explanatory variables.</a:t>
+            </a:r>
+          </a:p>
+          <a:p>
+            <a:pPr lvl="0"/>
+            <a:endParaRPr lang="en-US" dirty="0"/>
+          </a:p>
+          <a:p>
+            <a:pPr marL="285750" lvl="0" indent="-285750">
+              <a:buFont typeface="Wingdings" panose="05000000000000000000" pitchFamily="2" charset="2"/>
+              <a:buChar char="Ø"/>
+            </a:pPr>
+            <a:r>
+              <a:rPr lang="en-US" dirty="0"/>
+              <a:t>A statistical test used to analyze the difference between the means of more than two groups.</a:t>
+            </a:r>
+          </a:p>
+          <a:p>
+            <a:pPr lvl="0"/>
+            <a:endParaRPr lang="en-US" dirty="0"/>
+          </a:p>
+          <a:p>
+            <a:pPr marL="285750" lvl="0" indent="-285750">
+              <a:buFont typeface="Wingdings" panose="05000000000000000000" pitchFamily="2" charset="2"/>
+              <a:buChar char="Ø"/>
+            </a:pPr>
+            <a:r>
+              <a:rPr lang="en-US" dirty="0"/>
+              <a:t> Used to estimate how the mean of a quantitative variable changes according to the levels of two categorical variables.</a:t>
+            </a:r>
+          </a:p>
+        </p:txBody>
+      </p:sp>
+      <p:sp>
+        <p:nvSpPr>
+          <p:cNvPr id="3" name="TextBox 2">
+            <a:extLst>
+              <a:ext uri="{FF2B5EF4-FFF2-40B4-BE49-F238E27FC236}">
+                <a16:creationId xmlns:a16="http://schemas.microsoft.com/office/drawing/2014/main" id="{271F883C-2B9E-4560-BA95-22D47E6891B1}"/>
+              </a:ext>
+            </a:extLst>
+          </p:cNvPr>
+          <p:cNvSpPr txBox="1"/>
+          <p:nvPr/>
+        </p:nvSpPr>
+        <p:spPr>
+          <a:xfrm>
+            <a:off x="473725" y="3730794"/>
+            <a:ext cx="7832993" cy="3170099"/>
+          </a:xfrm>
+          <a:prstGeom prst="rect">
+            <a:avLst/>
+          </a:prstGeom>
+          <a:noFill/>
+        </p:spPr>
+        <p:txBody>
+          <a:bodyPr wrap="square" rtlCol="0">
+            <a:spAutoFit/>
+          </a:bodyPr>
+          <a:lstStyle/>
+          <a:p>
+            <a:r>
+              <a:rPr lang="en-US" sz="2000" b="1" dirty="0"/>
+              <a:t>Two possible mean models:</a:t>
+            </a:r>
+          </a:p>
+          <a:p>
+            <a:endParaRPr lang="en-US" dirty="0"/>
+          </a:p>
+          <a:p>
+            <a:pPr marL="285750" lvl="0" indent="-285750">
+              <a:buFont typeface="Wingdings" panose="05000000000000000000" pitchFamily="2" charset="2"/>
+              <a:buChar char="Ø"/>
+            </a:pPr>
+            <a:r>
+              <a:rPr lang="en-US" dirty="0"/>
+              <a:t>Additive Model - effects on the outcome of a particular level change for one explanatory variable </a:t>
+            </a:r>
+            <a:r>
+              <a:rPr lang="en-US" b="1" dirty="0"/>
+              <a:t>does not</a:t>
+            </a:r>
+            <a:r>
+              <a:rPr lang="en-US" dirty="0"/>
+              <a:t> depend on the level of the other explanatory variable.</a:t>
+            </a:r>
+          </a:p>
+          <a:p>
+            <a:pPr lvl="0"/>
+            <a:endParaRPr lang="en-US" dirty="0"/>
+          </a:p>
+          <a:p>
+            <a:pPr marL="285750" lvl="0" indent="-285750">
+              <a:buFont typeface="Wingdings" panose="05000000000000000000" pitchFamily="2" charset="2"/>
+              <a:buChar char="Ø"/>
+            </a:pPr>
+            <a:r>
+              <a:rPr lang="en-US" dirty="0"/>
+              <a:t>Interaction Model - effects of a particular level change for one explanatory variable </a:t>
+            </a:r>
+            <a:r>
+              <a:rPr lang="en-US" b="1" dirty="0"/>
+              <a:t>does</a:t>
+            </a:r>
+            <a:r>
+              <a:rPr lang="en-US" dirty="0"/>
+              <a:t> depend on the level of the other explanatory variable.</a:t>
+            </a:r>
+          </a:p>
+          <a:p>
+            <a:endParaRPr lang="en-US" dirty="0"/>
+          </a:p>
+          <a:p>
+            <a:endParaRPr lang="en-US" dirty="0"/>
+          </a:p>
+          <a:p>
+            <a:r>
+              <a:rPr lang="en-US" dirty="0"/>
+              <a:t> </a:t>
+            </a:r>
+          </a:p>
+        </p:txBody>
+      </p:sp>
+    </p:spTree>
+    <p:extLst>
+      <p:ext uri="{BB962C8B-B14F-4D97-AF65-F5344CB8AC3E}">
+        <p14:creationId xmlns:p14="http://schemas.microsoft.com/office/powerpoint/2010/main" val="4262128600"/>
+      </p:ext>
+    </p:extLst>
+  </p:cSld>
+  <p:clrMapOvr>
+    <a:masterClrMapping/>
+  </p:clrMapOvr>
+</p:sld>
+</file>
+
+<file path=ppt/slides/slide10.xml><?xml version="1.0" encoding="utf-8"?>
+<p:sld xmlns:a="http://schemas.openxmlformats.org/drawingml/2006/main" xmlns:r="http://schemas.openxmlformats.org/officeDocument/2006/relationships" xmlns:p="http://schemas.openxmlformats.org/presentationml/2006/main">
+  <p:cSld>
+    <p:spTree>
+      <p:nvGrpSpPr>
+        <p:cNvPr id="1" name=""/>
+        <p:cNvGrpSpPr/>
+        <p:nvPr/>
+      </p:nvGrpSpPr>
+      <p:grpSpPr>
+        <a:xfrm>
+          <a:off x="0" y="0"/>
+          <a:ext cx="0" cy="0"/>
+          <a:chOff x="0" y="0"/>
+          <a:chExt cx="0" cy="0"/>
+        </a:xfrm>
+      </p:grpSpPr>
+      <p:sp>
+        <p:nvSpPr>
+          <p:cNvPr id="2" name="TextBox 1">
+            <a:extLst>
+              <a:ext uri="{FF2B5EF4-FFF2-40B4-BE49-F238E27FC236}">
+                <a16:creationId xmlns:a16="http://schemas.microsoft.com/office/drawing/2014/main" id="{EAC18097-82B5-44CB-B2DC-A31868EB4E78}"/>
+              </a:ext>
+            </a:extLst>
+          </p:cNvPr>
+          <p:cNvSpPr txBox="1"/>
+          <p:nvPr/>
+        </p:nvSpPr>
+        <p:spPr>
+          <a:xfrm>
+            <a:off x="376942" y="219249"/>
+            <a:ext cx="7289074" cy="523220"/>
+          </a:xfrm>
+          <a:prstGeom prst="rect">
+            <a:avLst/>
+          </a:prstGeom>
+          <a:noFill/>
+        </p:spPr>
+        <p:txBody>
+          <a:bodyPr wrap="square" rtlCol="0">
+            <a:spAutoFit/>
+          </a:bodyPr>
+          <a:lstStyle/>
+          <a:p>
+            <a:r>
+              <a:rPr lang="en-PH" sz="2800" dirty="0"/>
+              <a:t>Two-way ANOVA : df, MS and F Ratios</a:t>
+            </a:r>
+          </a:p>
+        </p:txBody>
+      </p:sp>
+      <p:cxnSp>
+        <p:nvCxnSpPr>
+          <p:cNvPr id="4" name="Straight Connector 3">
+            <a:extLst>
+              <a:ext uri="{FF2B5EF4-FFF2-40B4-BE49-F238E27FC236}">
+                <a16:creationId xmlns:a16="http://schemas.microsoft.com/office/drawing/2014/main" id="{FE668F33-27F6-4FF1-BCDF-78FCD2FBC7C1}"/>
+              </a:ext>
+            </a:extLst>
+          </p:cNvPr>
+          <p:cNvCxnSpPr/>
+          <p:nvPr/>
+        </p:nvCxnSpPr>
+        <p:spPr>
+          <a:xfrm>
+            <a:off x="0" y="839595"/>
+            <a:ext cx="9144000" cy="0"/>
+          </a:xfrm>
+          <a:prstGeom prst="line">
+            <a:avLst/>
+          </a:prstGeom>
+          <a:ln/>
+        </p:spPr>
+        <p:style>
+          <a:lnRef idx="1">
+            <a:schemeClr val="dk1"/>
+          </a:lnRef>
+          <a:fillRef idx="0">
+            <a:schemeClr val="dk1"/>
+          </a:fillRef>
+          <a:effectRef idx="0">
+            <a:schemeClr val="dk1"/>
+          </a:effectRef>
+          <a:fontRef idx="minor">
+            <a:schemeClr val="tx1"/>
+          </a:fontRef>
+        </p:style>
+      </p:cxnSp>
+      <p:pic>
+        <p:nvPicPr>
+          <p:cNvPr id="3" name="Picture 2">
+            <a:extLst>
+              <a:ext uri="{FF2B5EF4-FFF2-40B4-BE49-F238E27FC236}">
+                <a16:creationId xmlns:a16="http://schemas.microsoft.com/office/drawing/2014/main" id="{16E55D52-C6F7-4EA4-9589-26FC18B92914}"/>
+              </a:ext>
+            </a:extLst>
+          </p:cNvPr>
+          <p:cNvPicPr>
+            <a:picLocks noChangeAspect="1"/>
+          </p:cNvPicPr>
+          <p:nvPr/>
+        </p:nvPicPr>
+        <p:blipFill>
+          <a:blip r:embed="rId2"/>
+          <a:stretch>
+            <a:fillRect/>
+          </a:stretch>
+        </p:blipFill>
+        <p:spPr>
+          <a:xfrm>
+            <a:off x="376942" y="936722"/>
+            <a:ext cx="8541099" cy="1920815"/>
+          </a:xfrm>
+          <a:prstGeom prst="rect">
+            <a:avLst/>
+          </a:prstGeom>
+        </p:spPr>
+      </p:pic>
+      <p:pic>
+        <p:nvPicPr>
+          <p:cNvPr id="7" name="Picture 6">
+            <a:extLst>
+              <a:ext uri="{FF2B5EF4-FFF2-40B4-BE49-F238E27FC236}">
+                <a16:creationId xmlns:a16="http://schemas.microsoft.com/office/drawing/2014/main" id="{3DCC67B7-D138-4ACE-9872-37B372056FF4}"/>
+              </a:ext>
+            </a:extLst>
+          </p:cNvPr>
+          <p:cNvPicPr>
+            <a:picLocks noChangeAspect="1"/>
+          </p:cNvPicPr>
+          <p:nvPr/>
+        </p:nvPicPr>
+        <p:blipFill>
+          <a:blip r:embed="rId3"/>
+          <a:stretch>
+            <a:fillRect/>
+          </a:stretch>
+        </p:blipFill>
+        <p:spPr>
+          <a:xfrm>
+            <a:off x="376942" y="2924520"/>
+            <a:ext cx="8541099" cy="3684088"/>
+          </a:xfrm>
+          <a:prstGeom prst="rect">
+            <a:avLst/>
+          </a:prstGeom>
+        </p:spPr>
+      </p:pic>
+    </p:spTree>
+    <p:extLst>
+      <p:ext uri="{BB962C8B-B14F-4D97-AF65-F5344CB8AC3E}">
+        <p14:creationId xmlns:p14="http://schemas.microsoft.com/office/powerpoint/2010/main" val="2127745403"/>
+      </p:ext>
+    </p:extLst>
+  </p:cSld>
+  <p:clrMapOvr>
+    <a:masterClrMapping/>
+  </p:clrMapOvr>
+</p:sld>
+</file>
+
+<file path=ppt/slides/slide11.xml><?xml version="1.0" encoding="utf-8"?>
+<p:sld xmlns:a="http://schemas.openxmlformats.org/drawingml/2006/main" xmlns:r="http://schemas.openxmlformats.org/officeDocument/2006/relationships" xmlns:p="http://schemas.openxmlformats.org/presentationml/2006/main">
+  <p:cSld>
+    <p:spTree>
+      <p:nvGrpSpPr>
+        <p:cNvPr id="1" name=""/>
+        <p:cNvGrpSpPr/>
+        <p:nvPr/>
+      </p:nvGrpSpPr>
+      <p:grpSpPr>
+        <a:xfrm>
+          <a:off x="0" y="0"/>
+          <a:ext cx="0" cy="0"/>
+          <a:chOff x="0" y="0"/>
+          <a:chExt cx="0" cy="0"/>
+        </a:xfrm>
+      </p:grpSpPr>
+      <p:sp>
+        <p:nvSpPr>
+          <p:cNvPr id="2" name="TextBox 1">
+            <a:extLst>
+              <a:ext uri="{FF2B5EF4-FFF2-40B4-BE49-F238E27FC236}">
+                <a16:creationId xmlns:a16="http://schemas.microsoft.com/office/drawing/2014/main" id="{EAC18097-82B5-44CB-B2DC-A31868EB4E78}"/>
+              </a:ext>
+            </a:extLst>
+          </p:cNvPr>
+          <p:cNvSpPr txBox="1"/>
+          <p:nvPr/>
+        </p:nvSpPr>
+        <p:spPr>
+          <a:xfrm>
+            <a:off x="376942" y="219249"/>
+            <a:ext cx="7289074" cy="523220"/>
+          </a:xfrm>
+          <a:prstGeom prst="rect">
+            <a:avLst/>
+          </a:prstGeom>
+          <a:noFill/>
+        </p:spPr>
+        <p:txBody>
+          <a:bodyPr wrap="square" rtlCol="0">
+            <a:spAutoFit/>
+          </a:bodyPr>
+          <a:lstStyle/>
+          <a:p>
+            <a:r>
+              <a:rPr lang="en-PH" sz="2800" dirty="0"/>
+              <a:t>Two-way ANOVA : Calculations</a:t>
+            </a:r>
+          </a:p>
+        </p:txBody>
+      </p:sp>
+      <p:cxnSp>
+        <p:nvCxnSpPr>
+          <p:cNvPr id="4" name="Straight Connector 3">
+            <a:extLst>
+              <a:ext uri="{FF2B5EF4-FFF2-40B4-BE49-F238E27FC236}">
+                <a16:creationId xmlns:a16="http://schemas.microsoft.com/office/drawing/2014/main" id="{FE668F33-27F6-4FF1-BCDF-78FCD2FBC7C1}"/>
+              </a:ext>
+            </a:extLst>
+          </p:cNvPr>
+          <p:cNvCxnSpPr/>
+          <p:nvPr/>
+        </p:nvCxnSpPr>
+        <p:spPr>
+          <a:xfrm>
+            <a:off x="0" y="839595"/>
+            <a:ext cx="9144000" cy="0"/>
+          </a:xfrm>
+          <a:prstGeom prst="line">
+            <a:avLst/>
+          </a:prstGeom>
+          <a:ln/>
+        </p:spPr>
+        <p:style>
+          <a:lnRef idx="1">
+            <a:schemeClr val="dk1"/>
+          </a:lnRef>
+          <a:fillRef idx="0">
+            <a:schemeClr val="dk1"/>
+          </a:fillRef>
+          <a:effectRef idx="0">
+            <a:schemeClr val="dk1"/>
+          </a:effectRef>
+          <a:fontRef idx="minor">
+            <a:schemeClr val="tx1"/>
+          </a:fontRef>
+        </p:style>
+      </p:cxnSp>
+      <p:sp>
+        <p:nvSpPr>
+          <p:cNvPr id="5" name="TextBox 4">
+            <a:extLst>
+              <a:ext uri="{FF2B5EF4-FFF2-40B4-BE49-F238E27FC236}">
+                <a16:creationId xmlns:a16="http://schemas.microsoft.com/office/drawing/2014/main" id="{63908E20-8DF7-4307-80A1-5BA4D3431B78}"/>
+              </a:ext>
+            </a:extLst>
+          </p:cNvPr>
+          <p:cNvSpPr txBox="1"/>
+          <p:nvPr/>
+        </p:nvSpPr>
+        <p:spPr>
+          <a:xfrm>
+            <a:off x="1911325" y="1698171"/>
+            <a:ext cx="5142618" cy="2554545"/>
+          </a:xfrm>
+          <a:prstGeom prst="rect">
+            <a:avLst/>
+          </a:prstGeom>
+          <a:noFill/>
+        </p:spPr>
+        <p:txBody>
+          <a:bodyPr wrap="square" rtlCol="0">
+            <a:spAutoFit/>
+          </a:bodyPr>
+          <a:lstStyle/>
+          <a:p>
+            <a:pPr algn="ctr"/>
+            <a:r>
+              <a:rPr lang="en-PH" sz="2000" dirty="0"/>
+              <a:t>Excel – </a:t>
+            </a:r>
+          </a:p>
+          <a:p>
+            <a:pPr algn="ctr"/>
+            <a:r>
+              <a:rPr lang="en-PH" sz="2000" dirty="0"/>
+              <a:t>https://github.com/edsonfajilagot/pupmas-dp/blob/master/g3_report/two-way-anova-manual.xlsx?raw=true</a:t>
+            </a:r>
+          </a:p>
+          <a:p>
+            <a:pPr algn="ctr"/>
+            <a:r>
+              <a:rPr lang="en-PH" sz="2000" dirty="0"/>
+              <a:t> </a:t>
+            </a:r>
+          </a:p>
+          <a:p>
+            <a:pPr algn="ctr"/>
+            <a:r>
+              <a:rPr lang="en-PH" sz="2000" dirty="0"/>
+              <a:t>R –</a:t>
+            </a:r>
+          </a:p>
+          <a:p>
+            <a:pPr algn="ctr"/>
+            <a:r>
+              <a:rPr lang="en-PH" sz="2000" dirty="0"/>
+              <a:t>https://github.com/edsonfajilagot/pupmas-dp/blob/master/g3_report/two-factor-anova.R</a:t>
+            </a:r>
+          </a:p>
+        </p:txBody>
+      </p:sp>
+    </p:spTree>
+    <p:extLst>
+      <p:ext uri="{BB962C8B-B14F-4D97-AF65-F5344CB8AC3E}">
+        <p14:creationId xmlns:p14="http://schemas.microsoft.com/office/powerpoint/2010/main" val="629808527"/>
+      </p:ext>
+    </p:extLst>
+  </p:cSld>
+  <p:clrMapOvr>
+    <a:masterClrMapping/>
+  </p:clrMapOvr>
+</p:sld>
+</file>
+
+<file path=ppt/slides/slide2.xml><?xml version="1.0" encoding="utf-8"?>
+<p:sld xmlns:a="http://schemas.openxmlformats.org/drawingml/2006/main" xmlns:r="http://schemas.openxmlformats.org/officeDocument/2006/relationships" xmlns:p="http://schemas.openxmlformats.org/presentationml/2006/main">
+  <p:cSld>
+    <p:spTree>
+      <p:nvGrpSpPr>
+        <p:cNvPr id="1" name=""/>
+        <p:cNvGrpSpPr/>
+        <p:nvPr/>
+      </p:nvGrpSpPr>
+      <p:grpSpPr>
+        <a:xfrm>
+          <a:off x="0" y="0"/>
+          <a:ext cx="0" cy="0"/>
+          <a:chOff x="0" y="0"/>
+          <a:chExt cx="0" cy="0"/>
+        </a:xfrm>
+      </p:grpSpPr>
+      <p:sp>
+        <p:nvSpPr>
+          <p:cNvPr id="2" name="TextBox 1">
+            <a:extLst>
+              <a:ext uri="{FF2B5EF4-FFF2-40B4-BE49-F238E27FC236}">
+                <a16:creationId xmlns:a16="http://schemas.microsoft.com/office/drawing/2014/main" id="{EAC18097-82B5-44CB-B2DC-A31868EB4E78}"/>
+              </a:ext>
+            </a:extLst>
+          </p:cNvPr>
+          <p:cNvSpPr txBox="1"/>
+          <p:nvPr/>
+        </p:nvSpPr>
+        <p:spPr>
+          <a:xfrm>
+            <a:off x="376942" y="219249"/>
+            <a:ext cx="7289074" cy="523220"/>
+          </a:xfrm>
+          <a:prstGeom prst="rect">
+            <a:avLst/>
+          </a:prstGeom>
+          <a:noFill/>
+        </p:spPr>
+        <p:txBody>
+          <a:bodyPr wrap="square" rtlCol="0">
+            <a:spAutoFit/>
+          </a:bodyPr>
+          <a:lstStyle/>
+          <a:p>
+            <a:r>
+              <a:rPr lang="en-PH" sz="2800" dirty="0"/>
+              <a:t>Two-way ANOVA : How does the test works</a:t>
+            </a:r>
+          </a:p>
+        </p:txBody>
+      </p:sp>
+      <p:cxnSp>
+        <p:nvCxnSpPr>
+          <p:cNvPr id="4" name="Straight Connector 3">
+            <a:extLst>
+              <a:ext uri="{FF2B5EF4-FFF2-40B4-BE49-F238E27FC236}">
+                <a16:creationId xmlns:a16="http://schemas.microsoft.com/office/drawing/2014/main" id="{FE668F33-27F6-4FF1-BCDF-78FCD2FBC7C1}"/>
+              </a:ext>
+            </a:extLst>
+          </p:cNvPr>
+          <p:cNvCxnSpPr/>
+          <p:nvPr/>
+        </p:nvCxnSpPr>
+        <p:spPr>
+          <a:xfrm>
+            <a:off x="0" y="839595"/>
+            <a:ext cx="9144000" cy="0"/>
+          </a:xfrm>
+          <a:prstGeom prst="line">
+            <a:avLst/>
+          </a:prstGeom>
+          <a:ln/>
+        </p:spPr>
+        <p:style>
+          <a:lnRef idx="1">
+            <a:schemeClr val="dk1"/>
+          </a:lnRef>
+          <a:fillRef idx="0">
+            <a:schemeClr val="dk1"/>
+          </a:fillRef>
+          <a:effectRef idx="0">
+            <a:schemeClr val="dk1"/>
+          </a:effectRef>
+          <a:fontRef idx="minor">
+            <a:schemeClr val="tx1"/>
+          </a:fontRef>
+        </p:style>
+      </p:cxnSp>
+      <p:sp>
+        <p:nvSpPr>
+          <p:cNvPr id="6" name="TextBox 5">
+            <a:extLst>
+              <a:ext uri="{FF2B5EF4-FFF2-40B4-BE49-F238E27FC236}">
+                <a16:creationId xmlns:a16="http://schemas.microsoft.com/office/drawing/2014/main" id="{C4B423E3-ACBF-4BFB-90CD-A937E6FC0FC4}"/>
+              </a:ext>
+            </a:extLst>
+          </p:cNvPr>
+          <p:cNvSpPr txBox="1"/>
+          <p:nvPr/>
+        </p:nvSpPr>
+        <p:spPr>
+          <a:xfrm>
+            <a:off x="238047" y="1531838"/>
+            <a:ext cx="8667906" cy="3724096"/>
+          </a:xfrm>
+          <a:prstGeom prst="rect">
+            <a:avLst/>
+          </a:prstGeom>
+          <a:noFill/>
+        </p:spPr>
+        <p:txBody>
+          <a:bodyPr wrap="square" rtlCol="0">
+            <a:spAutoFit/>
+          </a:bodyPr>
+          <a:lstStyle/>
+          <a:p>
+            <a:pPr lvl="0"/>
+            <a:r>
+              <a:rPr lang="en-US" sz="2000" b="1" i="1" dirty="0"/>
+              <a:t>F test</a:t>
+            </a:r>
+          </a:p>
+          <a:p>
+            <a:pPr lvl="0"/>
+            <a:endParaRPr lang="en-US" b="1" i="1" dirty="0"/>
+          </a:p>
+          <a:p>
+            <a:pPr marL="285750" lvl="0" indent="-285750">
+              <a:buFont typeface="Wingdings" panose="05000000000000000000" pitchFamily="2" charset="2"/>
+              <a:buChar char="Ø"/>
+            </a:pPr>
+            <a:r>
+              <a:rPr lang="en-US" dirty="0"/>
+              <a:t>Statistical test used for two-way ANOVA</a:t>
+            </a:r>
+          </a:p>
+          <a:p>
+            <a:pPr lvl="0"/>
+            <a:endParaRPr lang="en-US" dirty="0"/>
+          </a:p>
+          <a:p>
+            <a:pPr marL="285750" indent="-285750">
+              <a:buFont typeface="Wingdings" panose="05000000000000000000" pitchFamily="2" charset="2"/>
+              <a:buChar char="Ø"/>
+            </a:pPr>
+            <a:r>
+              <a:rPr lang="en-US" dirty="0"/>
+              <a:t> Considered as a group wise comparison test as it compares the variance of each group to the overall variance in the dependent variable.</a:t>
+            </a:r>
+          </a:p>
+          <a:p>
+            <a:pPr marL="285750" lvl="0" indent="-285750">
+              <a:buFont typeface="Wingdings" panose="05000000000000000000" pitchFamily="2" charset="2"/>
+              <a:buChar char="Ø"/>
+            </a:pPr>
+            <a:endParaRPr lang="en-US" dirty="0"/>
+          </a:p>
+          <a:p>
+            <a:pPr marL="285750" lvl="0" indent="-285750">
+              <a:buFont typeface="Wingdings" panose="05000000000000000000" pitchFamily="2" charset="2"/>
+              <a:buChar char="Ø"/>
+            </a:pPr>
+            <a:endParaRPr lang="en-US" dirty="0"/>
+          </a:p>
+          <a:p>
+            <a:pPr lvl="0"/>
+            <a:endParaRPr lang="en-US" dirty="0"/>
+          </a:p>
+          <a:p>
+            <a:r>
+              <a:rPr lang="en-US" dirty="0"/>
+              <a:t>Note: </a:t>
+            </a:r>
+            <a:r>
+              <a:rPr lang="en-US" i="1" dirty="0"/>
+              <a:t>If the variance within groups is smaller than the variance between groups, the F-test will find a higher F-value, and therefore a higher likelihood that the difference observed is real and not due to chance.</a:t>
+            </a:r>
+            <a:endParaRPr lang="en-US" dirty="0"/>
+          </a:p>
+          <a:p>
+            <a:pPr lvl="0"/>
+            <a:endParaRPr lang="en-US" dirty="0"/>
+          </a:p>
+        </p:txBody>
+      </p:sp>
+    </p:spTree>
+    <p:extLst>
+      <p:ext uri="{BB962C8B-B14F-4D97-AF65-F5344CB8AC3E}">
+        <p14:creationId xmlns:p14="http://schemas.microsoft.com/office/powerpoint/2010/main" val="4221150887"/>
+      </p:ext>
+    </p:extLst>
+  </p:cSld>
+  <p:clrMapOvr>
+    <a:masterClrMapping/>
+  </p:clrMapOvr>
+</p:sld>
+</file>
+
+<file path=ppt/slides/slide3.xml><?xml version="1.0" encoding="utf-8"?>
+<p:sld xmlns:a="http://schemas.openxmlformats.org/drawingml/2006/main" xmlns:r="http://schemas.openxmlformats.org/officeDocument/2006/relationships" xmlns:p="http://schemas.openxmlformats.org/presentationml/2006/main">
+  <p:cSld>
+    <p:spTree>
+      <p:nvGrpSpPr>
+        <p:cNvPr id="1" name=""/>
+        <p:cNvGrpSpPr/>
+        <p:nvPr/>
+      </p:nvGrpSpPr>
+      <p:grpSpPr>
+        <a:xfrm>
+          <a:off x="0" y="0"/>
+          <a:ext cx="0" cy="0"/>
+          <a:chOff x="0" y="0"/>
+          <a:chExt cx="0" cy="0"/>
+        </a:xfrm>
+      </p:grpSpPr>
+      <p:sp>
+        <p:nvSpPr>
+          <p:cNvPr id="2" name="TextBox 1">
+            <a:extLst>
+              <a:ext uri="{FF2B5EF4-FFF2-40B4-BE49-F238E27FC236}">
+                <a16:creationId xmlns:a16="http://schemas.microsoft.com/office/drawing/2014/main" id="{EAC18097-82B5-44CB-B2DC-A31868EB4E78}"/>
+              </a:ext>
+            </a:extLst>
+          </p:cNvPr>
+          <p:cNvSpPr txBox="1"/>
+          <p:nvPr/>
+        </p:nvSpPr>
+        <p:spPr>
+          <a:xfrm>
+            <a:off x="376942" y="219249"/>
+            <a:ext cx="7289074" cy="523220"/>
+          </a:xfrm>
+          <a:prstGeom prst="rect">
+            <a:avLst/>
+          </a:prstGeom>
+          <a:noFill/>
+        </p:spPr>
+        <p:txBody>
+          <a:bodyPr wrap="square" rtlCol="0">
+            <a:spAutoFit/>
+          </a:bodyPr>
+          <a:lstStyle/>
+          <a:p>
+            <a:r>
+              <a:rPr lang="en-PH" sz="2800" dirty="0"/>
+              <a:t>Two-way ANOVA : How does the test works</a:t>
+            </a:r>
+          </a:p>
+        </p:txBody>
+      </p:sp>
+      <p:cxnSp>
+        <p:nvCxnSpPr>
+          <p:cNvPr id="4" name="Straight Connector 3">
+            <a:extLst>
+              <a:ext uri="{FF2B5EF4-FFF2-40B4-BE49-F238E27FC236}">
+                <a16:creationId xmlns:a16="http://schemas.microsoft.com/office/drawing/2014/main" id="{FE668F33-27F6-4FF1-BCDF-78FCD2FBC7C1}"/>
+              </a:ext>
+            </a:extLst>
+          </p:cNvPr>
+          <p:cNvCxnSpPr/>
+          <p:nvPr/>
+        </p:nvCxnSpPr>
+        <p:spPr>
+          <a:xfrm>
+            <a:off x="0" y="839595"/>
+            <a:ext cx="9144000" cy="0"/>
+          </a:xfrm>
+          <a:prstGeom prst="line">
+            <a:avLst/>
+          </a:prstGeom>
+          <a:ln/>
+        </p:spPr>
+        <p:style>
+          <a:lnRef idx="1">
+            <a:schemeClr val="dk1"/>
+          </a:lnRef>
+          <a:fillRef idx="0">
+            <a:schemeClr val="dk1"/>
+          </a:fillRef>
+          <a:effectRef idx="0">
+            <a:schemeClr val="dk1"/>
+          </a:effectRef>
+          <a:fontRef idx="minor">
+            <a:schemeClr val="tx1"/>
+          </a:fontRef>
+        </p:style>
+      </p:cxnSp>
+      <p:sp>
+        <p:nvSpPr>
+          <p:cNvPr id="6" name="TextBox 5">
+            <a:extLst>
+              <a:ext uri="{FF2B5EF4-FFF2-40B4-BE49-F238E27FC236}">
+                <a16:creationId xmlns:a16="http://schemas.microsoft.com/office/drawing/2014/main" id="{C4B423E3-ACBF-4BFB-90CD-A937E6FC0FC4}"/>
+              </a:ext>
+            </a:extLst>
+          </p:cNvPr>
+          <p:cNvSpPr txBox="1"/>
+          <p:nvPr/>
+        </p:nvSpPr>
+        <p:spPr>
+          <a:xfrm>
+            <a:off x="238047" y="1531838"/>
+            <a:ext cx="8667906" cy="4555093"/>
+          </a:xfrm>
+          <a:prstGeom prst="rect">
+            <a:avLst/>
+          </a:prstGeom>
+          <a:noFill/>
+        </p:spPr>
+        <p:txBody>
+          <a:bodyPr wrap="square" rtlCol="0">
+            <a:spAutoFit/>
+          </a:bodyPr>
+          <a:lstStyle/>
+          <a:p>
+            <a:pPr lvl="0"/>
+            <a:r>
+              <a:rPr lang="en-US" sz="2000" b="1" dirty="0"/>
+              <a:t>Three null hypotheses for Two-way ANNOVA</a:t>
+            </a:r>
+          </a:p>
+          <a:p>
+            <a:pPr lvl="0"/>
+            <a:endParaRPr lang="en-US" dirty="0"/>
+          </a:p>
+          <a:p>
+            <a:pPr marL="742950" lvl="1" indent="-285750">
+              <a:buFont typeface="Wingdings" panose="05000000000000000000" pitchFamily="2" charset="2"/>
+              <a:buChar char="q"/>
+            </a:pPr>
+            <a:r>
+              <a:rPr lang="en-US" dirty="0"/>
+              <a:t>There is no difference in group means at any level of the first independent variable.</a:t>
+            </a:r>
+          </a:p>
+          <a:p>
+            <a:pPr lvl="1"/>
+            <a:endParaRPr lang="en-US" dirty="0"/>
+          </a:p>
+          <a:p>
+            <a:pPr marL="742950" lvl="1" indent="-285750">
+              <a:buFont typeface="Wingdings" panose="05000000000000000000" pitchFamily="2" charset="2"/>
+              <a:buChar char="q"/>
+            </a:pPr>
+            <a:r>
+              <a:rPr lang="en-US" dirty="0"/>
+              <a:t>There is no difference in group means at any level of the second independent variable.</a:t>
+            </a:r>
+          </a:p>
+          <a:p>
+            <a:pPr lvl="1"/>
+            <a:endParaRPr lang="en-US" dirty="0"/>
+          </a:p>
+          <a:p>
+            <a:pPr marL="742950" lvl="1" indent="-285750">
+              <a:buFont typeface="Wingdings" panose="05000000000000000000" pitchFamily="2" charset="2"/>
+              <a:buChar char="q"/>
+            </a:pPr>
+            <a:r>
+              <a:rPr lang="en-US" dirty="0"/>
+              <a:t>The effect of one independent variable does not depend on the effect of the other independent variable (a.k.a. no interaction effect).</a:t>
+            </a:r>
+          </a:p>
+          <a:p>
+            <a:pPr marL="742950" lvl="1" indent="-285750">
+              <a:buFont typeface="Wingdings" panose="05000000000000000000" pitchFamily="2" charset="2"/>
+              <a:buChar char="q"/>
+            </a:pPr>
+            <a:endParaRPr lang="en-US" dirty="0"/>
+          </a:p>
+          <a:p>
+            <a:pPr lvl="1"/>
+            <a:endParaRPr lang="en-US" dirty="0"/>
+          </a:p>
+          <a:p>
+            <a:pPr lvl="1"/>
+            <a:r>
+              <a:rPr lang="en-US" i="1" dirty="0"/>
+              <a:t>Note: Only the first two hypotheses are applicable for two-way ANOVA without interaction.</a:t>
+            </a:r>
+            <a:endParaRPr lang="en-US" dirty="0"/>
+          </a:p>
+          <a:p>
+            <a:pPr lvl="1"/>
+            <a:endParaRPr lang="en-US" dirty="0"/>
+          </a:p>
+          <a:p>
+            <a:pPr lvl="0"/>
+            <a:endParaRPr lang="en-US" dirty="0"/>
+          </a:p>
+          <a:p>
+            <a:pPr lvl="0"/>
+            <a:endParaRPr lang="en-US" dirty="0"/>
+          </a:p>
+        </p:txBody>
+      </p:sp>
+    </p:spTree>
+    <p:extLst>
+      <p:ext uri="{BB962C8B-B14F-4D97-AF65-F5344CB8AC3E}">
+        <p14:creationId xmlns:p14="http://schemas.microsoft.com/office/powerpoint/2010/main" val="2687958082"/>
+      </p:ext>
+    </p:extLst>
+  </p:cSld>
+  <p:clrMapOvr>
+    <a:masterClrMapping/>
+  </p:clrMapOvr>
+</p:sld>
+</file>
+
+<file path=ppt/slides/slide4.xml><?xml version="1.0" encoding="utf-8"?>
+<p:sld xmlns:a="http://schemas.openxmlformats.org/drawingml/2006/main" xmlns:r="http://schemas.openxmlformats.org/officeDocument/2006/relationships" xmlns:p="http://schemas.openxmlformats.org/presentationml/2006/main">
+  <p:cSld>
+    <p:spTree>
+      <p:nvGrpSpPr>
+        <p:cNvPr id="1" name=""/>
+        <p:cNvGrpSpPr/>
+        <p:nvPr/>
+      </p:nvGrpSpPr>
+      <p:grpSpPr>
+        <a:xfrm>
+          <a:off x="0" y="0"/>
+          <a:ext cx="0" cy="0"/>
+          <a:chOff x="0" y="0"/>
+          <a:chExt cx="0" cy="0"/>
+        </a:xfrm>
+      </p:grpSpPr>
+      <p:sp>
+        <p:nvSpPr>
+          <p:cNvPr id="2" name="TextBox 1">
+            <a:extLst>
+              <a:ext uri="{FF2B5EF4-FFF2-40B4-BE49-F238E27FC236}">
+                <a16:creationId xmlns:a16="http://schemas.microsoft.com/office/drawing/2014/main" id="{EAC18097-82B5-44CB-B2DC-A31868EB4E78}"/>
+              </a:ext>
+            </a:extLst>
+          </p:cNvPr>
+          <p:cNvSpPr txBox="1"/>
+          <p:nvPr/>
+        </p:nvSpPr>
+        <p:spPr>
+          <a:xfrm>
+            <a:off x="376942" y="219249"/>
+            <a:ext cx="7289074" cy="523220"/>
+          </a:xfrm>
+          <a:prstGeom prst="rect">
+            <a:avLst/>
+          </a:prstGeom>
+          <a:noFill/>
+        </p:spPr>
+        <p:txBody>
+          <a:bodyPr wrap="square" rtlCol="0">
+            <a:spAutoFit/>
+          </a:bodyPr>
+          <a:lstStyle/>
+          <a:p>
+            <a:r>
+              <a:rPr lang="en-PH" sz="2800" dirty="0"/>
+              <a:t>Two-way ANOVA : Assumptions</a:t>
+            </a:r>
+          </a:p>
+        </p:txBody>
+      </p:sp>
+      <p:cxnSp>
+        <p:nvCxnSpPr>
+          <p:cNvPr id="4" name="Straight Connector 3">
+            <a:extLst>
+              <a:ext uri="{FF2B5EF4-FFF2-40B4-BE49-F238E27FC236}">
+                <a16:creationId xmlns:a16="http://schemas.microsoft.com/office/drawing/2014/main" id="{FE668F33-27F6-4FF1-BCDF-78FCD2FBC7C1}"/>
+              </a:ext>
+            </a:extLst>
+          </p:cNvPr>
+          <p:cNvCxnSpPr/>
+          <p:nvPr/>
+        </p:nvCxnSpPr>
+        <p:spPr>
+          <a:xfrm>
+            <a:off x="0" y="839595"/>
+            <a:ext cx="9144000" cy="0"/>
+          </a:xfrm>
+          <a:prstGeom prst="line">
+            <a:avLst/>
+          </a:prstGeom>
+          <a:ln/>
+        </p:spPr>
+        <p:style>
+          <a:lnRef idx="1">
+            <a:schemeClr val="dk1"/>
+          </a:lnRef>
+          <a:fillRef idx="0">
+            <a:schemeClr val="dk1"/>
+          </a:fillRef>
+          <a:effectRef idx="0">
+            <a:schemeClr val="dk1"/>
+          </a:effectRef>
+          <a:fontRef idx="minor">
+            <a:schemeClr val="tx1"/>
+          </a:fontRef>
+        </p:style>
+      </p:cxnSp>
+      <p:sp>
+        <p:nvSpPr>
+          <p:cNvPr id="6" name="TextBox 5">
+            <a:extLst>
+              <a:ext uri="{FF2B5EF4-FFF2-40B4-BE49-F238E27FC236}">
+                <a16:creationId xmlns:a16="http://schemas.microsoft.com/office/drawing/2014/main" id="{C4B423E3-ACBF-4BFB-90CD-A937E6FC0FC4}"/>
+              </a:ext>
+            </a:extLst>
+          </p:cNvPr>
+          <p:cNvSpPr txBox="1"/>
+          <p:nvPr/>
+        </p:nvSpPr>
+        <p:spPr>
+          <a:xfrm>
+            <a:off x="83809" y="1355568"/>
+            <a:ext cx="8950021" cy="5755422"/>
+          </a:xfrm>
+          <a:prstGeom prst="rect">
+            <a:avLst/>
+          </a:prstGeom>
+          <a:noFill/>
+        </p:spPr>
+        <p:txBody>
+          <a:bodyPr wrap="square" rtlCol="0">
+            <a:spAutoFit/>
+          </a:bodyPr>
+          <a:lstStyle/>
+          <a:p>
+            <a:pPr lvl="1"/>
+            <a:r>
+              <a:rPr lang="en-US" dirty="0"/>
+              <a:t>Following criteria that needs to be satisfied in-order to know if you should apply two-way ANOVA to your data:</a:t>
+            </a:r>
+          </a:p>
+          <a:p>
+            <a:pPr lvl="1"/>
+            <a:endParaRPr lang="en-US" sz="2000" dirty="0"/>
+          </a:p>
+          <a:p>
+            <a:pPr marL="742950" lvl="1" indent="-285750">
+              <a:buFont typeface="Wingdings" panose="05000000000000000000" pitchFamily="2" charset="2"/>
+              <a:buChar char="Ø"/>
+            </a:pPr>
+            <a:r>
+              <a:rPr lang="en-US" sz="2000" b="1" dirty="0"/>
+              <a:t> Homogeneity of variance (also known as homoscedasticity)</a:t>
+            </a:r>
+            <a:endParaRPr lang="en-US" sz="2000" dirty="0"/>
+          </a:p>
+          <a:p>
+            <a:pPr lvl="3"/>
+            <a:r>
+              <a:rPr lang="en-US" dirty="0"/>
+              <a:t>The variation around the mean for each group being compared should be similar among all groups.</a:t>
+            </a:r>
+          </a:p>
+          <a:p>
+            <a:pPr lvl="3"/>
+            <a:endParaRPr lang="en-US" dirty="0"/>
+          </a:p>
+          <a:p>
+            <a:pPr marL="742950" lvl="1" indent="-285750">
+              <a:buFont typeface="Wingdings" panose="05000000000000000000" pitchFamily="2" charset="2"/>
+              <a:buChar char="Ø"/>
+            </a:pPr>
+            <a:r>
+              <a:rPr lang="en-US" b="1" dirty="0"/>
+              <a:t> </a:t>
+            </a:r>
+            <a:r>
+              <a:rPr lang="en-US" sz="2000" b="1" dirty="0"/>
+              <a:t>Independence of observations</a:t>
+            </a:r>
+            <a:endParaRPr lang="en-US" sz="2000" dirty="0"/>
+          </a:p>
+          <a:p>
+            <a:pPr lvl="3"/>
+            <a:r>
+              <a:rPr lang="en-US" dirty="0"/>
+              <a:t>Your independent variables should not be dependent on one another.</a:t>
+            </a:r>
+          </a:p>
+          <a:p>
+            <a:pPr lvl="3"/>
+            <a:r>
+              <a:rPr lang="en-US" dirty="0"/>
+              <a:t>In addition, your dependent variable should represent unique observations so your observations should not be grouped within locations or individuals.</a:t>
+            </a:r>
+          </a:p>
+          <a:p>
+            <a:pPr lvl="3"/>
+            <a:endParaRPr lang="en-US" dirty="0"/>
+          </a:p>
+          <a:p>
+            <a:pPr marL="742950" lvl="1" indent="-285750">
+              <a:buFont typeface="Wingdings" panose="05000000000000000000" pitchFamily="2" charset="2"/>
+              <a:buChar char="Ø"/>
+            </a:pPr>
+            <a:r>
+              <a:rPr lang="en-US" sz="2000" b="1" dirty="0"/>
+              <a:t>Normally distributed dependent variable</a:t>
+            </a:r>
+          </a:p>
+          <a:p>
+            <a:pPr lvl="3"/>
+            <a:r>
+              <a:rPr lang="en-US" dirty="0"/>
+              <a:t>The values of the dependent variable should follow a bell curve.</a:t>
+            </a:r>
+          </a:p>
+          <a:p>
+            <a:pPr lvl="3"/>
+            <a:endParaRPr lang="en-US" dirty="0"/>
+          </a:p>
+          <a:p>
+            <a:pPr lvl="3"/>
+            <a:endParaRPr lang="en-US" dirty="0"/>
+          </a:p>
+          <a:p>
+            <a:pPr marL="742950" lvl="1" indent="-285750">
+              <a:buFont typeface="Wingdings" panose="05000000000000000000" pitchFamily="2" charset="2"/>
+              <a:buChar char="Ø"/>
+            </a:pPr>
+            <a:endParaRPr lang="en-US" dirty="0"/>
+          </a:p>
+          <a:p>
+            <a:pPr lvl="1"/>
+            <a:endParaRPr lang="en-US" dirty="0"/>
+          </a:p>
+          <a:p>
+            <a:pPr lvl="0"/>
+            <a:endParaRPr lang="en-US" dirty="0"/>
+          </a:p>
+          <a:p>
+            <a:pPr lvl="0"/>
+            <a:endParaRPr lang="en-US" dirty="0"/>
+          </a:p>
+        </p:txBody>
+      </p:sp>
+    </p:spTree>
+    <p:extLst>
+      <p:ext uri="{BB962C8B-B14F-4D97-AF65-F5344CB8AC3E}">
+        <p14:creationId xmlns:p14="http://schemas.microsoft.com/office/powerpoint/2010/main" val="77522911"/>
+      </p:ext>
+    </p:extLst>
+  </p:cSld>
+  <p:clrMapOvr>
+    <a:masterClrMapping/>
+  </p:clrMapOvr>
+</p:sld>
+</file>
+
+<file path=ppt/slides/slide5.xml><?xml version="1.0" encoding="utf-8"?>
+<p:sld xmlns:a="http://schemas.openxmlformats.org/drawingml/2006/main" xmlns:r="http://schemas.openxmlformats.org/officeDocument/2006/relationships" xmlns:p="http://schemas.openxmlformats.org/presentationml/2006/main">
+  <p:cSld>
+    <p:spTree>
+      <p:nvGrpSpPr>
+        <p:cNvPr id="1" name=""/>
+        <p:cNvGrpSpPr/>
+        <p:nvPr/>
+      </p:nvGrpSpPr>
+      <p:grpSpPr>
+        <a:xfrm>
+          <a:off x="0" y="0"/>
+          <a:ext cx="0" cy="0"/>
+          <a:chOff x="0" y="0"/>
+          <a:chExt cx="0" cy="0"/>
+        </a:xfrm>
+      </p:grpSpPr>
+      <p:sp>
+        <p:nvSpPr>
+          <p:cNvPr id="2" name="TextBox 1">
+            <a:extLst>
+              <a:ext uri="{FF2B5EF4-FFF2-40B4-BE49-F238E27FC236}">
+                <a16:creationId xmlns:a16="http://schemas.microsoft.com/office/drawing/2014/main" id="{EAC18097-82B5-44CB-B2DC-A31868EB4E78}"/>
+              </a:ext>
+            </a:extLst>
+          </p:cNvPr>
+          <p:cNvSpPr txBox="1"/>
+          <p:nvPr/>
+        </p:nvSpPr>
+        <p:spPr>
+          <a:xfrm>
+            <a:off x="376942" y="219249"/>
+            <a:ext cx="7289074" cy="523220"/>
+          </a:xfrm>
+          <a:prstGeom prst="rect">
+            <a:avLst/>
+          </a:prstGeom>
+          <a:noFill/>
+        </p:spPr>
+        <p:txBody>
+          <a:bodyPr wrap="square" rtlCol="0">
+            <a:spAutoFit/>
+          </a:bodyPr>
+          <a:lstStyle/>
+          <a:p>
+            <a:r>
+              <a:rPr lang="en-PH" sz="2800" dirty="0"/>
               <a:t>Two-way ANOVA : Example</a:t>
             </a:r>
           </a:p>
@@ -6619,13 +7861,7 @@
           <p:cNvGraphicFramePr>
             <a:graphicFrameLocks noGrp="1"/>
           </p:cNvGraphicFramePr>
-          <p:nvPr>
-            <p:extLst>
-              <p:ext uri="{D42A27DB-BD31-4B8C-83A1-F6EECF244321}">
-                <p14:modId xmlns:p14="http://schemas.microsoft.com/office/powerpoint/2010/main" val="1631150977"/>
-              </p:ext>
-            </p:extLst>
-          </p:nvPr>
+          <p:nvPr/>
         </p:nvGraphicFramePr>
         <p:xfrm>
           <a:off x="417134" y="3429000"/>
@@ -7210,7 +8446,7 @@
     </p:spTree>
     <p:extLst>
       <p:ext uri="{BB962C8B-B14F-4D97-AF65-F5344CB8AC3E}">
-        <p14:creationId xmlns:p14="http://schemas.microsoft.com/office/powerpoint/2010/main" val="4262128600"/>
+        <p14:creationId xmlns:p14="http://schemas.microsoft.com/office/powerpoint/2010/main" val="3624206069"/>
       </p:ext>
     </p:extLst>
   </p:cSld>
@@ -7220,7 +8456,7 @@
 </p:sld>
 </file>
 
-<file path=ppt/slides/slide2.xml><?xml version="1.0" encoding="utf-8"?>
+<file path=ppt/slides/slide6.xml><?xml version="1.0" encoding="utf-8"?>
 <p:sld xmlns:a="http://schemas.openxmlformats.org/drawingml/2006/main" xmlns:r="http://schemas.openxmlformats.org/officeDocument/2006/relationships" xmlns:p="http://schemas.openxmlformats.org/presentationml/2006/main">
   <p:cSld>
     <p:spTree>
@@ -7811,7 +9047,7 @@
 </p:sld>
 </file>
 
-<file path=ppt/slides/slide3.xml><?xml version="1.0" encoding="utf-8"?>
+<file path=ppt/slides/slide7.xml><?xml version="1.0" encoding="utf-8"?>
 <p:sld xmlns:a="http://schemas.openxmlformats.org/drawingml/2006/main" xmlns:r="http://schemas.openxmlformats.org/officeDocument/2006/relationships" xmlns:p="http://schemas.openxmlformats.org/presentationml/2006/main">
   <p:cSld>
     <p:spTree>
@@ -8033,7 +9269,7 @@
 </p:sld>
 </file>
 
-<file path=ppt/slides/slide4.xml><?xml version="1.0" encoding="utf-8"?>
+<file path=ppt/slides/slide8.xml><?xml version="1.0" encoding="utf-8"?>
 <p:sld xmlns:a="http://schemas.openxmlformats.org/drawingml/2006/main" xmlns:r="http://schemas.openxmlformats.org/officeDocument/2006/relationships" xmlns:p="http://schemas.openxmlformats.org/presentationml/2006/main">
   <p:cSld>
     <p:spTree>
@@ -8200,7 +9436,7 @@
 </p:sld>
 </file>
 
-<file path=ppt/slides/slide5.xml><?xml version="1.0" encoding="utf-8"?>
+<file path=ppt/slides/slide9.xml><?xml version="1.0" encoding="utf-8"?>
 <p:sld xmlns:a="http://schemas.openxmlformats.org/drawingml/2006/main" xmlns:r="http://schemas.openxmlformats.org/officeDocument/2006/relationships" xmlns:p="http://schemas.openxmlformats.org/presentationml/2006/main">
   <p:cSld>
     <p:spTree>
@@ -8473,334 +9709,6 @@
     <p:extLst>
       <p:ext uri="{BB962C8B-B14F-4D97-AF65-F5344CB8AC3E}">
         <p14:creationId xmlns:p14="http://schemas.microsoft.com/office/powerpoint/2010/main" val="3932082769"/>
-      </p:ext>
-    </p:extLst>
-  </p:cSld>
-  <p:clrMapOvr>
-    <a:masterClrMapping/>
-  </p:clrMapOvr>
-</p:sld>
-</file>
-
-<file path=ppt/slides/slide6.xml><?xml version="1.0" encoding="utf-8"?>
-<p:sld xmlns:a="http://schemas.openxmlformats.org/drawingml/2006/main" xmlns:r="http://schemas.openxmlformats.org/officeDocument/2006/relationships" xmlns:p="http://schemas.openxmlformats.org/presentationml/2006/main">
-  <p:cSld>
-    <p:spTree>
-      <p:nvGrpSpPr>
-        <p:cNvPr id="1" name=""/>
-        <p:cNvGrpSpPr/>
-        <p:nvPr/>
-      </p:nvGrpSpPr>
-      <p:grpSpPr>
-        <a:xfrm>
-          <a:off x="0" y="0"/>
-          <a:ext cx="0" cy="0"/>
-          <a:chOff x="0" y="0"/>
-          <a:chExt cx="0" cy="0"/>
-        </a:xfrm>
-      </p:grpSpPr>
-      <p:sp>
-        <p:nvSpPr>
-          <p:cNvPr id="2" name="TextBox 1">
-            <a:extLst>
-              <a:ext uri="{FF2B5EF4-FFF2-40B4-BE49-F238E27FC236}">
-                <a16:creationId xmlns:a16="http://schemas.microsoft.com/office/drawing/2014/main" id="{EAC18097-82B5-44CB-B2DC-A31868EB4E78}"/>
-              </a:ext>
-            </a:extLst>
-          </p:cNvPr>
-          <p:cNvSpPr txBox="1"/>
-          <p:nvPr/>
-        </p:nvSpPr>
-        <p:spPr>
-          <a:xfrm>
-            <a:off x="376942" y="219249"/>
-            <a:ext cx="7289074" cy="523220"/>
-          </a:xfrm>
-          <a:prstGeom prst="rect">
-            <a:avLst/>
-          </a:prstGeom>
-          <a:noFill/>
-        </p:spPr>
-        <p:txBody>
-          <a:bodyPr wrap="square" rtlCol="0">
-            <a:spAutoFit/>
-          </a:bodyPr>
-          <a:lstStyle/>
-          <a:p>
-            <a:r>
-              <a:rPr lang="en-PH" sz="2800" dirty="0"/>
-              <a:t>Two-way ANOVA : df, MS and F Ratios</a:t>
-            </a:r>
-          </a:p>
-        </p:txBody>
-      </p:sp>
-      <p:cxnSp>
-        <p:nvCxnSpPr>
-          <p:cNvPr id="4" name="Straight Connector 3">
-            <a:extLst>
-              <a:ext uri="{FF2B5EF4-FFF2-40B4-BE49-F238E27FC236}">
-                <a16:creationId xmlns:a16="http://schemas.microsoft.com/office/drawing/2014/main" id="{FE668F33-27F6-4FF1-BCDF-78FCD2FBC7C1}"/>
-              </a:ext>
-            </a:extLst>
-          </p:cNvPr>
-          <p:cNvCxnSpPr/>
-          <p:nvPr/>
-        </p:nvCxnSpPr>
-        <p:spPr>
-          <a:xfrm>
-            <a:off x="0" y="839595"/>
-            <a:ext cx="9144000" cy="0"/>
-          </a:xfrm>
-          <a:prstGeom prst="line">
-            <a:avLst/>
-          </a:prstGeom>
-          <a:ln/>
-        </p:spPr>
-        <p:style>
-          <a:lnRef idx="1">
-            <a:schemeClr val="dk1"/>
-          </a:lnRef>
-          <a:fillRef idx="0">
-            <a:schemeClr val="dk1"/>
-          </a:fillRef>
-          <a:effectRef idx="0">
-            <a:schemeClr val="dk1"/>
-          </a:effectRef>
-          <a:fontRef idx="minor">
-            <a:schemeClr val="tx1"/>
-          </a:fontRef>
-        </p:style>
-      </p:cxnSp>
-      <p:pic>
-        <p:nvPicPr>
-          <p:cNvPr id="3" name="Picture 2">
-            <a:extLst>
-              <a:ext uri="{FF2B5EF4-FFF2-40B4-BE49-F238E27FC236}">
-                <a16:creationId xmlns:a16="http://schemas.microsoft.com/office/drawing/2014/main" id="{16E55D52-C6F7-4EA4-9589-26FC18B92914}"/>
-              </a:ext>
-            </a:extLst>
-          </p:cNvPr>
-          <p:cNvPicPr>
-            <a:picLocks noChangeAspect="1"/>
-          </p:cNvPicPr>
-          <p:nvPr/>
-        </p:nvPicPr>
-        <p:blipFill>
-          <a:blip r:embed="rId2"/>
-          <a:stretch>
-            <a:fillRect/>
-          </a:stretch>
-        </p:blipFill>
-        <p:spPr>
-          <a:xfrm>
-            <a:off x="376942" y="936722"/>
-            <a:ext cx="8541099" cy="1920815"/>
-          </a:xfrm>
-          <a:prstGeom prst="rect">
-            <a:avLst/>
-          </a:prstGeom>
-        </p:spPr>
-      </p:pic>
-      <p:pic>
-        <p:nvPicPr>
-          <p:cNvPr id="7" name="Picture 6">
-            <a:extLst>
-              <a:ext uri="{FF2B5EF4-FFF2-40B4-BE49-F238E27FC236}">
-                <a16:creationId xmlns:a16="http://schemas.microsoft.com/office/drawing/2014/main" id="{3DCC67B7-D138-4ACE-9872-37B372056FF4}"/>
-              </a:ext>
-            </a:extLst>
-          </p:cNvPr>
-          <p:cNvPicPr>
-            <a:picLocks noChangeAspect="1"/>
-          </p:cNvPicPr>
-          <p:nvPr/>
-        </p:nvPicPr>
-        <p:blipFill>
-          <a:blip r:embed="rId3"/>
-          <a:stretch>
-            <a:fillRect/>
-          </a:stretch>
-        </p:blipFill>
-        <p:spPr>
-          <a:xfrm>
-            <a:off x="376942" y="2924520"/>
-            <a:ext cx="8541099" cy="3684088"/>
-          </a:xfrm>
-          <a:prstGeom prst="rect">
-            <a:avLst/>
-          </a:prstGeom>
-        </p:spPr>
-      </p:pic>
-    </p:spTree>
-    <p:extLst>
-      <p:ext uri="{BB962C8B-B14F-4D97-AF65-F5344CB8AC3E}">
-        <p14:creationId xmlns:p14="http://schemas.microsoft.com/office/powerpoint/2010/main" val="2127745403"/>
-      </p:ext>
-    </p:extLst>
-  </p:cSld>
-  <p:clrMapOvr>
-    <a:masterClrMapping/>
-  </p:clrMapOvr>
-</p:sld>
-</file>
-
-<file path=ppt/slides/slide7.xml><?xml version="1.0" encoding="utf-8"?>
-<p:sld xmlns:a="http://schemas.openxmlformats.org/drawingml/2006/main" xmlns:r="http://schemas.openxmlformats.org/officeDocument/2006/relationships" xmlns:p="http://schemas.openxmlformats.org/presentationml/2006/main">
-  <p:cSld>
-    <p:spTree>
-      <p:nvGrpSpPr>
-        <p:cNvPr id="1" name=""/>
-        <p:cNvGrpSpPr/>
-        <p:nvPr/>
-      </p:nvGrpSpPr>
-      <p:grpSpPr>
-        <a:xfrm>
-          <a:off x="0" y="0"/>
-          <a:ext cx="0" cy="0"/>
-          <a:chOff x="0" y="0"/>
-          <a:chExt cx="0" cy="0"/>
-        </a:xfrm>
-      </p:grpSpPr>
-      <p:sp>
-        <p:nvSpPr>
-          <p:cNvPr id="2" name="TextBox 1">
-            <a:extLst>
-              <a:ext uri="{FF2B5EF4-FFF2-40B4-BE49-F238E27FC236}">
-                <a16:creationId xmlns:a16="http://schemas.microsoft.com/office/drawing/2014/main" id="{EAC18097-82B5-44CB-B2DC-A31868EB4E78}"/>
-              </a:ext>
-            </a:extLst>
-          </p:cNvPr>
-          <p:cNvSpPr txBox="1"/>
-          <p:nvPr/>
-        </p:nvSpPr>
-        <p:spPr>
-          <a:xfrm>
-            <a:off x="376942" y="219249"/>
-            <a:ext cx="7289074" cy="523220"/>
-          </a:xfrm>
-          <a:prstGeom prst="rect">
-            <a:avLst/>
-          </a:prstGeom>
-          <a:noFill/>
-        </p:spPr>
-        <p:txBody>
-          <a:bodyPr wrap="square" rtlCol="0">
-            <a:spAutoFit/>
-          </a:bodyPr>
-          <a:lstStyle/>
-          <a:p>
-            <a:r>
-              <a:rPr lang="en-PH" sz="2800" dirty="0"/>
-              <a:t>Two-way ANOVA : Calculations</a:t>
-            </a:r>
-          </a:p>
-        </p:txBody>
-      </p:sp>
-      <p:cxnSp>
-        <p:nvCxnSpPr>
-          <p:cNvPr id="4" name="Straight Connector 3">
-            <a:extLst>
-              <a:ext uri="{FF2B5EF4-FFF2-40B4-BE49-F238E27FC236}">
-                <a16:creationId xmlns:a16="http://schemas.microsoft.com/office/drawing/2014/main" id="{FE668F33-27F6-4FF1-BCDF-78FCD2FBC7C1}"/>
-              </a:ext>
-            </a:extLst>
-          </p:cNvPr>
-          <p:cNvCxnSpPr/>
-          <p:nvPr/>
-        </p:nvCxnSpPr>
-        <p:spPr>
-          <a:xfrm>
-            <a:off x="0" y="839595"/>
-            <a:ext cx="9144000" cy="0"/>
-          </a:xfrm>
-          <a:prstGeom prst="line">
-            <a:avLst/>
-          </a:prstGeom>
-          <a:ln/>
-        </p:spPr>
-        <p:style>
-          <a:lnRef idx="1">
-            <a:schemeClr val="dk1"/>
-          </a:lnRef>
-          <a:fillRef idx="0">
-            <a:schemeClr val="dk1"/>
-          </a:fillRef>
-          <a:effectRef idx="0">
-            <a:schemeClr val="dk1"/>
-          </a:effectRef>
-          <a:fontRef idx="minor">
-            <a:schemeClr val="tx1"/>
-          </a:fontRef>
-        </p:style>
-      </p:cxnSp>
-      <p:sp>
-        <p:nvSpPr>
-          <p:cNvPr id="5" name="TextBox 4">
-            <a:extLst>
-              <a:ext uri="{FF2B5EF4-FFF2-40B4-BE49-F238E27FC236}">
-                <a16:creationId xmlns:a16="http://schemas.microsoft.com/office/drawing/2014/main" id="{63908E20-8DF7-4307-80A1-5BA4D3431B78}"/>
-              </a:ext>
-            </a:extLst>
-          </p:cNvPr>
-          <p:cNvSpPr txBox="1"/>
-          <p:nvPr/>
-        </p:nvSpPr>
-        <p:spPr>
-          <a:xfrm>
-            <a:off x="1911325" y="1698171"/>
-            <a:ext cx="5142618" cy="2554545"/>
-          </a:xfrm>
-          <a:prstGeom prst="rect">
-            <a:avLst/>
-          </a:prstGeom>
-          <a:noFill/>
-        </p:spPr>
-        <p:txBody>
-          <a:bodyPr wrap="square" rtlCol="0">
-            <a:spAutoFit/>
-          </a:bodyPr>
-          <a:lstStyle/>
-          <a:p>
-            <a:pPr algn="ctr"/>
-            <a:r>
-              <a:rPr lang="en-PH" sz="2000" dirty="0"/>
-              <a:t>Excel – </a:t>
-            </a:r>
-          </a:p>
-          <a:p>
-            <a:pPr algn="ctr"/>
-            <a:r>
-              <a:rPr lang="en-PH" sz="2000" dirty="0"/>
-              <a:t>https://github.com/edsonfajilagot/pupmas-dp/blob/master/g3_report/two-way-anova-manual.xlsx?raw=true</a:t>
-            </a:r>
-          </a:p>
-          <a:p>
-            <a:pPr algn="ctr"/>
-            <a:r>
-              <a:rPr lang="en-PH" sz="2000" dirty="0"/>
-              <a:t> </a:t>
-            </a:r>
-          </a:p>
-          <a:p>
-            <a:pPr algn="ctr"/>
-            <a:r>
-              <a:rPr lang="en-PH" sz="2000" dirty="0"/>
-              <a:t>R –</a:t>
-            </a:r>
-          </a:p>
-          <a:p>
-            <a:pPr algn="ctr"/>
-            <a:r>
-              <a:rPr lang="en-PH" sz="2000" dirty="0"/>
-              <a:t>https://github.com/edsonfajilagot/pupmas-dp/blob/master/g3_report/two-factor-anova.R</a:t>
-            </a:r>
-          </a:p>
-        </p:txBody>
-      </p:sp>
-    </p:spTree>
-    <p:extLst>
-      <p:ext uri="{BB962C8B-B14F-4D97-AF65-F5344CB8AC3E}">
-        <p14:creationId xmlns:p14="http://schemas.microsoft.com/office/powerpoint/2010/main" val="629808527"/>
       </p:ext>
     </p:extLst>
   </p:cSld>

--- a/g3_report/two-way-anova.pptx
+++ b/g3_report/two-way-anova.pptx
@@ -3707,7 +3707,7 @@
           <a:p>
             <a:fld id="{0B846D91-C525-DA43-8A29-8BCD9D0B7E0C}" type="datetimeFigureOut">
               <a:rPr lang="en-US" smtClean="0"/>
-              <a:t>7/3/2020</a:t>
+              <a:t>7/4/2020</a:t>
             </a:fld>
             <a:endParaRPr lang="en-US"/>
           </a:p>
@@ -3875,7 +3875,7 @@
           <a:p>
             <a:fld id="{0B846D91-C525-DA43-8A29-8BCD9D0B7E0C}" type="datetimeFigureOut">
               <a:rPr lang="en-US" smtClean="0"/>
-              <a:t>7/3/2020</a:t>
+              <a:t>7/4/2020</a:t>
             </a:fld>
             <a:endParaRPr lang="en-US"/>
           </a:p>
@@ -4053,7 +4053,7 @@
           <a:p>
             <a:fld id="{0B846D91-C525-DA43-8A29-8BCD9D0B7E0C}" type="datetimeFigureOut">
               <a:rPr lang="en-US" smtClean="0"/>
-              <a:t>7/3/2020</a:t>
+              <a:t>7/4/2020</a:t>
             </a:fld>
             <a:endParaRPr lang="en-US"/>
           </a:p>
@@ -4221,7 +4221,7 @@
           <a:p>
             <a:fld id="{0B846D91-C525-DA43-8A29-8BCD9D0B7E0C}" type="datetimeFigureOut">
               <a:rPr lang="en-US" smtClean="0"/>
-              <a:t>7/3/2020</a:t>
+              <a:t>7/4/2020</a:t>
             </a:fld>
             <a:endParaRPr lang="en-US"/>
           </a:p>
@@ -4466,7 +4466,7 @@
           <a:p>
             <a:fld id="{0B846D91-C525-DA43-8A29-8BCD9D0B7E0C}" type="datetimeFigureOut">
               <a:rPr lang="en-US" smtClean="0"/>
-              <a:t>7/3/2020</a:t>
+              <a:t>7/4/2020</a:t>
             </a:fld>
             <a:endParaRPr lang="en-US"/>
           </a:p>
@@ -4751,7 +4751,7 @@
           <a:p>
             <a:fld id="{0B846D91-C525-DA43-8A29-8BCD9D0B7E0C}" type="datetimeFigureOut">
               <a:rPr lang="en-US" smtClean="0"/>
-              <a:t>7/3/2020</a:t>
+              <a:t>7/4/2020</a:t>
             </a:fld>
             <a:endParaRPr lang="en-US"/>
           </a:p>
@@ -5170,7 +5170,7 @@
           <a:p>
             <a:fld id="{0B846D91-C525-DA43-8A29-8BCD9D0B7E0C}" type="datetimeFigureOut">
               <a:rPr lang="en-US" smtClean="0"/>
-              <a:t>7/3/2020</a:t>
+              <a:t>7/4/2020</a:t>
             </a:fld>
             <a:endParaRPr lang="en-US"/>
           </a:p>
@@ -5287,7 +5287,7 @@
           <a:p>
             <a:fld id="{0B846D91-C525-DA43-8A29-8BCD9D0B7E0C}" type="datetimeFigureOut">
               <a:rPr lang="en-US" smtClean="0"/>
-              <a:t>7/3/2020</a:t>
+              <a:t>7/4/2020</a:t>
             </a:fld>
             <a:endParaRPr lang="en-US"/>
           </a:p>
@@ -5382,7 +5382,7 @@
           <a:p>
             <a:fld id="{0B846D91-C525-DA43-8A29-8BCD9D0B7E0C}" type="datetimeFigureOut">
               <a:rPr lang="en-US" smtClean="0"/>
-              <a:t>7/3/2020</a:t>
+              <a:t>7/4/2020</a:t>
             </a:fld>
             <a:endParaRPr lang="en-US"/>
           </a:p>
@@ -5657,7 +5657,7 @@
           <a:p>
             <a:fld id="{0B846D91-C525-DA43-8A29-8BCD9D0B7E0C}" type="datetimeFigureOut">
               <a:rPr lang="en-US" smtClean="0"/>
-              <a:t>7/3/2020</a:t>
+              <a:t>7/4/2020</a:t>
             </a:fld>
             <a:endParaRPr lang="en-US"/>
           </a:p>
@@ -5909,7 +5909,7 @@
           <a:p>
             <a:fld id="{0B846D91-C525-DA43-8A29-8BCD9D0B7E0C}" type="datetimeFigureOut">
               <a:rPr lang="en-US" smtClean="0"/>
-              <a:t>7/3/2020</a:t>
+              <a:t>7/4/2020</a:t>
             </a:fld>
             <a:endParaRPr lang="en-US"/>
           </a:p>
@@ -6120,7 +6120,7 @@
           <a:p>
             <a:fld id="{0B846D91-C525-DA43-8A29-8BCD9D0B7E0C}" type="datetimeFigureOut">
               <a:rPr lang="en-US" smtClean="0"/>
-              <a:t>7/3/2020</a:t>
+              <a:t>7/4/2020</a:t>
             </a:fld>
             <a:endParaRPr lang="en-US"/>
           </a:p>
@@ -9527,36 +9527,6 @@
       </p:cxnSp>
       <p:pic>
         <p:nvPicPr>
-          <p:cNvPr id="5" name="Picture 4">
-            <a:extLst>
-              <a:ext uri="{FF2B5EF4-FFF2-40B4-BE49-F238E27FC236}">
-                <a16:creationId xmlns:a16="http://schemas.microsoft.com/office/drawing/2014/main" id="{74F08D0C-51F0-4A70-98BF-B02D808F964E}"/>
-              </a:ext>
-            </a:extLst>
-          </p:cNvPr>
-          <p:cNvPicPr>
-            <a:picLocks noChangeAspect="1"/>
-          </p:cNvPicPr>
-          <p:nvPr/>
-        </p:nvPicPr>
-        <p:blipFill>
-          <a:blip r:embed="rId2"/>
-          <a:stretch>
-            <a:fillRect/>
-          </a:stretch>
-        </p:blipFill>
-        <p:spPr>
-          <a:xfrm>
-            <a:off x="1434669" y="921250"/>
-            <a:ext cx="6081498" cy="831887"/>
-          </a:xfrm>
-          <a:prstGeom prst="rect">
-            <a:avLst/>
-          </a:prstGeom>
-        </p:spPr>
-      </p:pic>
-      <p:pic>
-        <p:nvPicPr>
           <p:cNvPr id="6" name="Picture 5">
             <a:extLst>
               <a:ext uri="{FF2B5EF4-FFF2-40B4-BE49-F238E27FC236}">
@@ -9570,7 +9540,7 @@
           <p:nvPr/>
         </p:nvPicPr>
         <p:blipFill>
-          <a:blip r:embed="rId3"/>
+          <a:blip r:embed="rId2"/>
           <a:stretch>
             <a:fillRect/>
           </a:stretch>
@@ -9600,7 +9570,7 @@
           <p:nvPr/>
         </p:nvPicPr>
         <p:blipFill>
-          <a:blip r:embed="rId4"/>
+          <a:blip r:embed="rId3"/>
           <a:stretch>
             <a:fillRect/>
           </a:stretch>
@@ -9630,7 +9600,7 @@
           <p:nvPr/>
         </p:nvPicPr>
         <p:blipFill>
-          <a:blip r:embed="rId5"/>
+          <a:blip r:embed="rId4"/>
           <a:stretch>
             <a:fillRect/>
           </a:stretch>
@@ -9660,7 +9630,7 @@
           <p:nvPr/>
         </p:nvPicPr>
         <p:blipFill>
-          <a:blip r:embed="rId6"/>
+          <a:blip r:embed="rId5"/>
           <a:stretch>
             <a:fillRect/>
           </a:stretch>
@@ -9690,7 +9660,7 @@
           <p:nvPr/>
         </p:nvPicPr>
         <p:blipFill>
-          <a:blip r:embed="rId7"/>
+          <a:blip r:embed="rId6"/>
           <a:stretch>
             <a:fillRect/>
           </a:stretch>
@@ -9699,6 +9669,36 @@
           <a:xfrm>
             <a:off x="1434669" y="6167728"/>
             <a:ext cx="6079253" cy="544572"/>
+          </a:xfrm>
+          <a:prstGeom prst="rect">
+            <a:avLst/>
+          </a:prstGeom>
+        </p:spPr>
+      </p:pic>
+      <p:pic>
+        <p:nvPicPr>
+          <p:cNvPr id="3" name="Picture 2">
+            <a:extLst>
+              <a:ext uri="{FF2B5EF4-FFF2-40B4-BE49-F238E27FC236}">
+                <a16:creationId xmlns:a16="http://schemas.microsoft.com/office/drawing/2014/main" id="{DFCB5914-8728-4422-A7EC-1CED83E26C43}"/>
+              </a:ext>
+            </a:extLst>
+          </p:cNvPr>
+          <p:cNvPicPr>
+            <a:picLocks noChangeAspect="1"/>
+          </p:cNvPicPr>
+          <p:nvPr/>
+        </p:nvPicPr>
+        <p:blipFill>
+          <a:blip r:embed="rId7"/>
+          <a:stretch>
+            <a:fillRect/>
+          </a:stretch>
+        </p:blipFill>
+        <p:spPr>
+          <a:xfrm>
+            <a:off x="1434668" y="887714"/>
+            <a:ext cx="6079253" cy="861860"/>
           </a:xfrm>
           <a:prstGeom prst="rect">
             <a:avLst/>
